--- a/Figures/figure_splam_input/figure_splam_input.pptx
+++ b/Figures/figure_splam_input/figure_splam_input.pptx
@@ -197,7 +197,7 @@
           <a:p>
             <a:fld id="{DEE34097-28C4-B046-83B1-0F941A2B62B2}" type="datetimeFigureOut">
               <a:rPr lang="en-US" smtClean="0"/>
-              <a:t>7/13/23</a:t>
+              <a:t>7/15/23</a:t>
             </a:fld>
             <a:endParaRPr lang="en-US"/>
           </a:p>
@@ -596,7 +596,7 @@
           <a:p>
             <a:fld id="{EB01C8D4-EBBE-DF44-8BBA-54ECEA52E7BA}" type="datetimeFigureOut">
               <a:rPr lang="en-US" smtClean="0"/>
-              <a:t>7/13/23</a:t>
+              <a:t>7/15/23</a:t>
             </a:fld>
             <a:endParaRPr lang="en-US"/>
           </a:p>
@@ -766,7 +766,7 @@
           <a:p>
             <a:fld id="{EB01C8D4-EBBE-DF44-8BBA-54ECEA52E7BA}" type="datetimeFigureOut">
               <a:rPr lang="en-US" smtClean="0"/>
-              <a:t>7/13/23</a:t>
+              <a:t>7/15/23</a:t>
             </a:fld>
             <a:endParaRPr lang="en-US"/>
           </a:p>
@@ -946,7 +946,7 @@
           <a:p>
             <a:fld id="{EB01C8D4-EBBE-DF44-8BBA-54ECEA52E7BA}" type="datetimeFigureOut">
               <a:rPr lang="en-US" smtClean="0"/>
-              <a:t>7/13/23</a:t>
+              <a:t>7/15/23</a:t>
             </a:fld>
             <a:endParaRPr lang="en-US"/>
           </a:p>
@@ -1116,7 +1116,7 @@
           <a:p>
             <a:fld id="{EB01C8D4-EBBE-DF44-8BBA-54ECEA52E7BA}" type="datetimeFigureOut">
               <a:rPr lang="en-US" smtClean="0"/>
-              <a:t>7/13/23</a:t>
+              <a:t>7/15/23</a:t>
             </a:fld>
             <a:endParaRPr lang="en-US"/>
           </a:p>
@@ -1360,7 +1360,7 @@
           <a:p>
             <a:fld id="{EB01C8D4-EBBE-DF44-8BBA-54ECEA52E7BA}" type="datetimeFigureOut">
               <a:rPr lang="en-US" smtClean="0"/>
-              <a:t>7/13/23</a:t>
+              <a:t>7/15/23</a:t>
             </a:fld>
             <a:endParaRPr lang="en-US"/>
           </a:p>
@@ -1592,7 +1592,7 @@
           <a:p>
             <a:fld id="{EB01C8D4-EBBE-DF44-8BBA-54ECEA52E7BA}" type="datetimeFigureOut">
               <a:rPr lang="en-US" smtClean="0"/>
-              <a:t>7/13/23</a:t>
+              <a:t>7/15/23</a:t>
             </a:fld>
             <a:endParaRPr lang="en-US"/>
           </a:p>
@@ -1959,7 +1959,7 @@
           <a:p>
             <a:fld id="{EB01C8D4-EBBE-DF44-8BBA-54ECEA52E7BA}" type="datetimeFigureOut">
               <a:rPr lang="en-US" smtClean="0"/>
-              <a:t>7/13/23</a:t>
+              <a:t>7/15/23</a:t>
             </a:fld>
             <a:endParaRPr lang="en-US"/>
           </a:p>
@@ -2077,7 +2077,7 @@
           <a:p>
             <a:fld id="{EB01C8D4-EBBE-DF44-8BBA-54ECEA52E7BA}" type="datetimeFigureOut">
               <a:rPr lang="en-US" smtClean="0"/>
-              <a:t>7/13/23</a:t>
+              <a:t>7/15/23</a:t>
             </a:fld>
             <a:endParaRPr lang="en-US"/>
           </a:p>
@@ -2172,7 +2172,7 @@
           <a:p>
             <a:fld id="{EB01C8D4-EBBE-DF44-8BBA-54ECEA52E7BA}" type="datetimeFigureOut">
               <a:rPr lang="en-US" smtClean="0"/>
-              <a:t>7/13/23</a:t>
+              <a:t>7/15/23</a:t>
             </a:fld>
             <a:endParaRPr lang="en-US"/>
           </a:p>
@@ -2449,7 +2449,7 @@
           <a:p>
             <a:fld id="{EB01C8D4-EBBE-DF44-8BBA-54ECEA52E7BA}" type="datetimeFigureOut">
               <a:rPr lang="en-US" smtClean="0"/>
-              <a:t>7/13/23</a:t>
+              <a:t>7/15/23</a:t>
             </a:fld>
             <a:endParaRPr lang="en-US"/>
           </a:p>
@@ -2706,7 +2706,7 @@
           <a:p>
             <a:fld id="{EB01C8D4-EBBE-DF44-8BBA-54ECEA52E7BA}" type="datetimeFigureOut">
               <a:rPr lang="en-US" smtClean="0"/>
-              <a:t>7/13/23</a:t>
+              <a:t>7/15/23</a:t>
             </a:fld>
             <a:endParaRPr lang="en-US"/>
           </a:p>
@@ -2919,7 +2919,7 @@
           <a:p>
             <a:fld id="{EB01C8D4-EBBE-DF44-8BBA-54ECEA52E7BA}" type="datetimeFigureOut">
               <a:rPr lang="en-US" smtClean="0"/>
-              <a:t>7/13/23</a:t>
+              <a:t>7/15/23</a:t>
             </a:fld>
             <a:endParaRPr lang="en-US"/>
           </a:p>
@@ -20234,9 +20234,12 @@
               <a:pPr algn="ctr"/>
               <a:r>
                 <a:rPr lang="en-US" sz="2800" dirty="0" err="1"/>
-                <a:t>ReLU</a:t>
+                <a:t>LReLU</a:t>
               </a:r>
-              <a:endParaRPr lang="en-US" sz="2800" dirty="0"/>
+              <a:r>
+                <a:rPr lang="en-US" sz="2800" dirty="0"/>
+                <a:t> (-0.1)</a:t>
+              </a:r>
             </a:p>
           </p:txBody>
         </p:sp>
@@ -20684,9 +20687,12 @@
               <a:pPr algn="ctr"/>
               <a:r>
                 <a:rPr lang="en-US" sz="2800" dirty="0" err="1"/>
-                <a:t>ReLU</a:t>
+                <a:t>LReLU</a:t>
               </a:r>
-              <a:endParaRPr lang="en-US" sz="2800" dirty="0"/>
+              <a:r>
+                <a:rPr lang="en-US" sz="2800" dirty="0"/>
+                <a:t> (-0.1)</a:t>
+              </a:r>
             </a:p>
           </p:txBody>
         </p:sp>
